--- a/2022/ESS_May_June_2022/Day2_Friday_June_3rd/05_Samples/More_samples.pptx
+++ b/2022/ESS_May_June_2022/Day2_Friday_June_3rd/05_Samples/More_samples.pptx
@@ -11748,6 +11748,10 @@
           </p:nvPr>
         </p:nvSpPr>
         <p:spPr>
+          <a:xfrm>
+            <a:off x="2690536" y="1070460"/>
+            <a:ext cx="9312376" cy="4545579"/>
+          </a:xfrm>
           <a:prstGeom prst="rect">
             <a:avLst/>
           </a:prstGeom>
@@ -13104,6 +13108,10 @@
           </p:nvPr>
         </p:nvSpPr>
         <p:spPr>
+          <a:xfrm>
+            <a:off x="2101774" y="-84070"/>
+            <a:ext cx="9312376" cy="972717"/>
+          </a:xfrm>
           <a:prstGeom prst="rect">
             <a:avLst/>
           </a:prstGeom>
@@ -13128,6 +13136,10 @@
           </p:nvPr>
         </p:nvSpPr>
         <p:spPr>
+          <a:xfrm>
+            <a:off x="1993683" y="1023010"/>
+            <a:ext cx="9312375" cy="4545579"/>
+          </a:xfrm>
           <a:prstGeom prst="rect">
             <a:avLst/>
           </a:prstGeom>
